--- a/poster.pptx
+++ b/poster.pptx
@@ -7,6 +7,7 @@
   <p:sldIdLst>
     <p:sldId id="256" r:id="rId2"/>
     <p:sldId id="257" r:id="rId3"/>
+    <p:sldId id="258" r:id="rId4"/>
   </p:sldIdLst>
   <p:sldSz cx="21383625" cy="30275213"/>
   <p:notesSz cx="6858000" cy="9144000"/>
@@ -3438,7 +3439,7 @@
         </p:blipFill>
         <p:spPr>
           <a:xfrm>
-            <a:off x="0" y="0"/>
+            <a:off x="0" y="-1"/>
             <a:ext cx="21383625" cy="30275213"/>
           </a:xfrm>
           <a:prstGeom prst="rect">
@@ -3652,6 +3653,910 @@
     <p:extLst>
       <p:ext uri="{BB962C8B-B14F-4D97-AF65-F5344CB8AC3E}">
         <p14:creationId xmlns:p14="http://schemas.microsoft.com/office/powerpoint/2010/main" val="2825907444"/>
+      </p:ext>
+    </p:extLst>
+  </p:cSld>
+  <p:clrMapOvr>
+    <a:masterClrMapping/>
+  </p:clrMapOvr>
+</p:sld>
+</file>
+
+<file path=ppt/slides/slide3.xml><?xml version="1.0" encoding="utf-8"?>
+<p:sld xmlns:a="http://schemas.openxmlformats.org/drawingml/2006/main" xmlns:r="http://schemas.openxmlformats.org/officeDocument/2006/relationships" xmlns:p="http://schemas.openxmlformats.org/presentationml/2006/main">
+  <p:cSld>
+    <p:spTree>
+      <p:nvGrpSpPr>
+        <p:cNvPr id="1" name=""/>
+        <p:cNvGrpSpPr/>
+        <p:nvPr/>
+      </p:nvGrpSpPr>
+      <p:grpSpPr>
+        <a:xfrm>
+          <a:off x="0" y="0"/>
+          <a:ext cx="0" cy="0"/>
+          <a:chOff x="0" y="0"/>
+          <a:chExt cx="0" cy="0"/>
+        </a:xfrm>
+      </p:grpSpPr>
+      <p:sp>
+        <p:nvSpPr>
+          <p:cNvPr id="14" name="箭头: 燕尾形 13">
+            <a:extLst>
+              <a:ext uri="{FF2B5EF4-FFF2-40B4-BE49-F238E27FC236}">
+                <a16:creationId xmlns:a16="http://schemas.microsoft.com/office/drawing/2014/main" id="{B39230B9-1C46-45A9-9ED7-3F1F9ABB6E43}"/>
+              </a:ext>
+            </a:extLst>
+          </p:cNvPr>
+          <p:cNvSpPr/>
+          <p:nvPr/>
+        </p:nvSpPr>
+        <p:spPr>
+          <a:xfrm>
+            <a:off x="13118305" y="9944100"/>
+            <a:ext cx="1790700" cy="1409700"/>
+          </a:xfrm>
+          <a:prstGeom prst="notchedRightArrow">
+            <a:avLst/>
+          </a:prstGeom>
+          <a:solidFill>
+            <a:srgbClr val="07D4FF"/>
+          </a:solidFill>
+          <a:ln>
+            <a:solidFill>
+              <a:srgbClr val="07D4FF"/>
+            </a:solidFill>
+          </a:ln>
+        </p:spPr>
+        <p:style>
+          <a:lnRef idx="2">
+            <a:schemeClr val="accent1">
+              <a:shade val="50000"/>
+            </a:schemeClr>
+          </a:lnRef>
+          <a:fillRef idx="1">
+            <a:schemeClr val="accent1"/>
+          </a:fillRef>
+          <a:effectRef idx="0">
+            <a:schemeClr val="accent1"/>
+          </a:effectRef>
+          <a:fontRef idx="minor">
+            <a:schemeClr val="lt1"/>
+          </a:fontRef>
+        </p:style>
+        <p:txBody>
+          <a:bodyPr rtlCol="0" anchor="ctr"/>
+          <a:lstStyle/>
+          <a:p>
+            <a:pPr algn="ctr"/>
+            <a:endParaRPr lang="zh-CN" altLang="en-US"/>
+          </a:p>
+        </p:txBody>
+      </p:sp>
+      <p:sp>
+        <p:nvSpPr>
+          <p:cNvPr id="13" name="箭头: 燕尾形 12">
+            <a:extLst>
+              <a:ext uri="{FF2B5EF4-FFF2-40B4-BE49-F238E27FC236}">
+                <a16:creationId xmlns:a16="http://schemas.microsoft.com/office/drawing/2014/main" id="{6F2AB97F-1B2E-4045-BFD5-F1383B8629B8}"/>
+              </a:ext>
+            </a:extLst>
+          </p:cNvPr>
+          <p:cNvSpPr/>
+          <p:nvPr/>
+        </p:nvSpPr>
+        <p:spPr>
+          <a:xfrm>
+            <a:off x="5829300" y="9944100"/>
+            <a:ext cx="1790700" cy="1409700"/>
+          </a:xfrm>
+          <a:prstGeom prst="notchedRightArrow">
+            <a:avLst/>
+          </a:prstGeom>
+          <a:solidFill>
+            <a:srgbClr val="07D4FF"/>
+          </a:solidFill>
+          <a:ln>
+            <a:solidFill>
+              <a:srgbClr val="07D4FF"/>
+            </a:solidFill>
+          </a:ln>
+        </p:spPr>
+        <p:style>
+          <a:lnRef idx="2">
+            <a:schemeClr val="accent1">
+              <a:shade val="50000"/>
+            </a:schemeClr>
+          </a:lnRef>
+          <a:fillRef idx="1">
+            <a:schemeClr val="accent1"/>
+          </a:fillRef>
+          <a:effectRef idx="0">
+            <a:schemeClr val="accent1"/>
+          </a:effectRef>
+          <a:fontRef idx="minor">
+            <a:schemeClr val="lt1"/>
+          </a:fontRef>
+        </p:style>
+        <p:txBody>
+          <a:bodyPr rtlCol="0" anchor="ctr"/>
+          <a:lstStyle/>
+          <a:p>
+            <a:pPr algn="ctr"/>
+            <a:endParaRPr lang="zh-CN" altLang="en-US"/>
+          </a:p>
+        </p:txBody>
+      </p:sp>
+      <p:pic>
+        <p:nvPicPr>
+          <p:cNvPr id="6" name="图片 5">
+            <a:extLst>
+              <a:ext uri="{FF2B5EF4-FFF2-40B4-BE49-F238E27FC236}">
+                <a16:creationId xmlns:a16="http://schemas.microsoft.com/office/drawing/2014/main" id="{922187AB-033D-495A-BF63-2D1ACF47CCC0}"/>
+              </a:ext>
+            </a:extLst>
+          </p:cNvPr>
+          <p:cNvPicPr>
+            <a:picLocks noChangeAspect="1"/>
+          </p:cNvPicPr>
+          <p:nvPr/>
+        </p:nvPicPr>
+        <p:blipFill rotWithShape="1">
+          <a:blip r:embed="rId2">
+            <a:extLst>
+              <a:ext uri="{28A0092B-C50C-407E-A947-70E740481C1C}">
+                <a14:useLocalDpi xmlns:a14="http://schemas.microsoft.com/office/drawing/2010/main" val="0"/>
+              </a:ext>
+            </a:extLst>
+          </a:blip>
+          <a:srcRect b="88955"/>
+          <a:stretch/>
+        </p:blipFill>
+        <p:spPr>
+          <a:xfrm>
+            <a:off x="-1" y="1"/>
+            <a:ext cx="21383625" cy="3543300"/>
+          </a:xfrm>
+          <a:prstGeom prst="rect">
+            <a:avLst/>
+          </a:prstGeom>
+        </p:spPr>
+      </p:pic>
+      <p:sp>
+        <p:nvSpPr>
+          <p:cNvPr id="7" name="矩形: 圆角 6">
+            <a:extLst>
+              <a:ext uri="{FF2B5EF4-FFF2-40B4-BE49-F238E27FC236}">
+                <a16:creationId xmlns:a16="http://schemas.microsoft.com/office/drawing/2014/main" id="{47D3CEF1-0612-4CDA-B344-1DB152C1013D}"/>
+              </a:ext>
+            </a:extLst>
+          </p:cNvPr>
+          <p:cNvSpPr/>
+          <p:nvPr/>
+        </p:nvSpPr>
+        <p:spPr>
+          <a:xfrm>
+            <a:off x="647700" y="9010650"/>
+            <a:ext cx="4762500" cy="3009900"/>
+          </a:xfrm>
+          <a:prstGeom prst="roundRect">
+            <a:avLst/>
+          </a:prstGeom>
+          <a:solidFill>
+            <a:srgbClr val="07D4FF"/>
+          </a:solidFill>
+          <a:ln>
+            <a:solidFill>
+              <a:srgbClr val="07D4FF"/>
+            </a:solidFill>
+          </a:ln>
+        </p:spPr>
+        <p:style>
+          <a:lnRef idx="2">
+            <a:schemeClr val="accent1">
+              <a:shade val="50000"/>
+            </a:schemeClr>
+          </a:lnRef>
+          <a:fillRef idx="1">
+            <a:schemeClr val="accent1"/>
+          </a:fillRef>
+          <a:effectRef idx="0">
+            <a:schemeClr val="accent1"/>
+          </a:effectRef>
+          <a:fontRef idx="minor">
+            <a:schemeClr val="lt1"/>
+          </a:fontRef>
+        </p:style>
+        <p:txBody>
+          <a:bodyPr rtlCol="0" anchor="ctr"/>
+          <a:lstStyle/>
+          <a:p>
+            <a:pPr algn="ctr"/>
+            <a:endParaRPr lang="zh-CN" altLang="en-US"/>
+          </a:p>
+        </p:txBody>
+      </p:sp>
+      <p:sp>
+        <p:nvSpPr>
+          <p:cNvPr id="8" name="矩形: 圆角 7">
+            <a:extLst>
+              <a:ext uri="{FF2B5EF4-FFF2-40B4-BE49-F238E27FC236}">
+                <a16:creationId xmlns:a16="http://schemas.microsoft.com/office/drawing/2014/main" id="{0DECD95F-2651-4F8D-96CF-690F95C2916B}"/>
+              </a:ext>
+            </a:extLst>
+          </p:cNvPr>
+          <p:cNvSpPr/>
+          <p:nvPr/>
+        </p:nvSpPr>
+        <p:spPr>
+          <a:xfrm>
+            <a:off x="7974805" y="9010650"/>
+            <a:ext cx="4762500" cy="3009900"/>
+          </a:xfrm>
+          <a:prstGeom prst="roundRect">
+            <a:avLst/>
+          </a:prstGeom>
+          <a:solidFill>
+            <a:srgbClr val="07D4FF"/>
+          </a:solidFill>
+          <a:ln>
+            <a:solidFill>
+              <a:srgbClr val="07D4FF"/>
+            </a:solidFill>
+          </a:ln>
+        </p:spPr>
+        <p:style>
+          <a:lnRef idx="2">
+            <a:schemeClr val="accent1">
+              <a:shade val="50000"/>
+            </a:schemeClr>
+          </a:lnRef>
+          <a:fillRef idx="1">
+            <a:schemeClr val="accent1"/>
+          </a:fillRef>
+          <a:effectRef idx="0">
+            <a:schemeClr val="accent1"/>
+          </a:effectRef>
+          <a:fontRef idx="minor">
+            <a:schemeClr val="lt1"/>
+          </a:fontRef>
+        </p:style>
+        <p:txBody>
+          <a:bodyPr rtlCol="0" anchor="ctr"/>
+          <a:lstStyle/>
+          <a:p>
+            <a:pPr algn="ctr"/>
+            <a:endParaRPr lang="zh-CN" altLang="en-US"/>
+          </a:p>
+        </p:txBody>
+      </p:sp>
+      <p:sp>
+        <p:nvSpPr>
+          <p:cNvPr id="9" name="矩形: 圆角 8">
+            <a:extLst>
+              <a:ext uri="{FF2B5EF4-FFF2-40B4-BE49-F238E27FC236}">
+                <a16:creationId xmlns:a16="http://schemas.microsoft.com/office/drawing/2014/main" id="{557BF275-F1B0-4136-8000-2A7C189DA58E}"/>
+              </a:ext>
+            </a:extLst>
+          </p:cNvPr>
+          <p:cNvSpPr/>
+          <p:nvPr/>
+        </p:nvSpPr>
+        <p:spPr>
+          <a:xfrm>
+            <a:off x="15301910" y="9010650"/>
+            <a:ext cx="4762500" cy="3009900"/>
+          </a:xfrm>
+          <a:prstGeom prst="roundRect">
+            <a:avLst/>
+          </a:prstGeom>
+          <a:solidFill>
+            <a:srgbClr val="07D4FF"/>
+          </a:solidFill>
+          <a:ln>
+            <a:solidFill>
+              <a:srgbClr val="07D4FF"/>
+            </a:solidFill>
+          </a:ln>
+        </p:spPr>
+        <p:style>
+          <a:lnRef idx="2">
+            <a:schemeClr val="accent1">
+              <a:shade val="50000"/>
+            </a:schemeClr>
+          </a:lnRef>
+          <a:fillRef idx="1">
+            <a:schemeClr val="accent1"/>
+          </a:fillRef>
+          <a:effectRef idx="0">
+            <a:schemeClr val="accent1"/>
+          </a:effectRef>
+          <a:fontRef idx="minor">
+            <a:schemeClr val="lt1"/>
+          </a:fontRef>
+        </p:style>
+        <p:txBody>
+          <a:bodyPr rtlCol="0" anchor="ctr"/>
+          <a:lstStyle/>
+          <a:p>
+            <a:pPr algn="ctr"/>
+            <a:endParaRPr lang="zh-CN" altLang="en-US"/>
+          </a:p>
+        </p:txBody>
+      </p:sp>
+      <p:sp>
+        <p:nvSpPr>
+          <p:cNvPr id="10" name="矩形: 圆角 9">
+            <a:extLst>
+              <a:ext uri="{FF2B5EF4-FFF2-40B4-BE49-F238E27FC236}">
+                <a16:creationId xmlns:a16="http://schemas.microsoft.com/office/drawing/2014/main" id="{1FBFFAD5-189D-44F0-A1FA-3C8FDE93D29A}"/>
+              </a:ext>
+            </a:extLst>
+          </p:cNvPr>
+          <p:cNvSpPr/>
+          <p:nvPr/>
+        </p:nvSpPr>
+        <p:spPr>
+          <a:xfrm>
+            <a:off x="1752600" y="10515600"/>
+            <a:ext cx="4762500" cy="5676900"/>
+          </a:xfrm>
+          <a:prstGeom prst="roundRect">
+            <a:avLst/>
+          </a:prstGeom>
+          <a:solidFill>
+            <a:schemeClr val="bg1">
+              <a:alpha val="84000"/>
+            </a:schemeClr>
+          </a:solidFill>
+          <a:ln w="76200">
+            <a:solidFill>
+              <a:srgbClr val="079AFE"/>
+            </a:solidFill>
+          </a:ln>
+        </p:spPr>
+        <p:style>
+          <a:lnRef idx="2">
+            <a:schemeClr val="accent1">
+              <a:shade val="50000"/>
+            </a:schemeClr>
+          </a:lnRef>
+          <a:fillRef idx="1">
+            <a:schemeClr val="accent1"/>
+          </a:fillRef>
+          <a:effectRef idx="0">
+            <a:schemeClr val="accent1"/>
+          </a:effectRef>
+          <a:fontRef idx="minor">
+            <a:schemeClr val="lt1"/>
+          </a:fontRef>
+        </p:style>
+        <p:txBody>
+          <a:bodyPr rtlCol="0" anchor="ctr"/>
+          <a:lstStyle/>
+          <a:p>
+            <a:pPr algn="ctr"/>
+            <a:endParaRPr lang="zh-CN" altLang="en-US"/>
+          </a:p>
+        </p:txBody>
+      </p:sp>
+      <p:sp>
+        <p:nvSpPr>
+          <p:cNvPr id="11" name="矩形: 圆角 10">
+            <a:extLst>
+              <a:ext uri="{FF2B5EF4-FFF2-40B4-BE49-F238E27FC236}">
+                <a16:creationId xmlns:a16="http://schemas.microsoft.com/office/drawing/2014/main" id="{26C0669A-1DBF-4EF4-B772-43556A45852A}"/>
+              </a:ext>
+            </a:extLst>
+          </p:cNvPr>
+          <p:cNvSpPr/>
+          <p:nvPr/>
+        </p:nvSpPr>
+        <p:spPr>
+          <a:xfrm>
+            <a:off x="9079705" y="10515600"/>
+            <a:ext cx="4762500" cy="5676900"/>
+          </a:xfrm>
+          <a:prstGeom prst="roundRect">
+            <a:avLst/>
+          </a:prstGeom>
+          <a:solidFill>
+            <a:schemeClr val="bg1">
+              <a:alpha val="84000"/>
+            </a:schemeClr>
+          </a:solidFill>
+          <a:ln w="76200">
+            <a:solidFill>
+              <a:srgbClr val="079AFE"/>
+            </a:solidFill>
+          </a:ln>
+        </p:spPr>
+        <p:style>
+          <a:lnRef idx="2">
+            <a:schemeClr val="accent1">
+              <a:shade val="50000"/>
+            </a:schemeClr>
+          </a:lnRef>
+          <a:fillRef idx="1">
+            <a:schemeClr val="accent1"/>
+          </a:fillRef>
+          <a:effectRef idx="0">
+            <a:schemeClr val="accent1"/>
+          </a:effectRef>
+          <a:fontRef idx="minor">
+            <a:schemeClr val="lt1"/>
+          </a:fontRef>
+        </p:style>
+        <p:txBody>
+          <a:bodyPr rtlCol="0" anchor="ctr"/>
+          <a:lstStyle/>
+          <a:p>
+            <a:pPr algn="ctr"/>
+            <a:endParaRPr lang="zh-CN" altLang="en-US"/>
+          </a:p>
+        </p:txBody>
+      </p:sp>
+      <p:sp>
+        <p:nvSpPr>
+          <p:cNvPr id="12" name="矩形: 圆角 11">
+            <a:extLst>
+              <a:ext uri="{FF2B5EF4-FFF2-40B4-BE49-F238E27FC236}">
+                <a16:creationId xmlns:a16="http://schemas.microsoft.com/office/drawing/2014/main" id="{488488CA-9CD1-4227-9C47-E7C92D715E1D}"/>
+              </a:ext>
+            </a:extLst>
+          </p:cNvPr>
+          <p:cNvSpPr/>
+          <p:nvPr/>
+        </p:nvSpPr>
+        <p:spPr>
+          <a:xfrm>
+            <a:off x="16406810" y="10515600"/>
+            <a:ext cx="4762500" cy="5676900"/>
+          </a:xfrm>
+          <a:prstGeom prst="roundRect">
+            <a:avLst/>
+          </a:prstGeom>
+          <a:solidFill>
+            <a:schemeClr val="bg1">
+              <a:alpha val="84000"/>
+            </a:schemeClr>
+          </a:solidFill>
+          <a:ln w="76200">
+            <a:solidFill>
+              <a:srgbClr val="079AFE"/>
+            </a:solidFill>
+          </a:ln>
+        </p:spPr>
+        <p:style>
+          <a:lnRef idx="2">
+            <a:schemeClr val="accent1">
+              <a:shade val="50000"/>
+            </a:schemeClr>
+          </a:lnRef>
+          <a:fillRef idx="1">
+            <a:schemeClr val="accent1"/>
+          </a:fillRef>
+          <a:effectRef idx="0">
+            <a:schemeClr val="accent1"/>
+          </a:effectRef>
+          <a:fontRef idx="minor">
+            <a:schemeClr val="lt1"/>
+          </a:fontRef>
+        </p:style>
+        <p:txBody>
+          <a:bodyPr rtlCol="0" anchor="ctr"/>
+          <a:lstStyle/>
+          <a:p>
+            <a:pPr algn="ctr"/>
+            <a:endParaRPr lang="zh-CN" altLang="en-US"/>
+          </a:p>
+        </p:txBody>
+      </p:sp>
+      <p:pic>
+        <p:nvPicPr>
+          <p:cNvPr id="16" name="图片 15">
+            <a:extLst>
+              <a:ext uri="{FF2B5EF4-FFF2-40B4-BE49-F238E27FC236}">
+                <a16:creationId xmlns:a16="http://schemas.microsoft.com/office/drawing/2014/main" id="{49BB4CA4-69D5-45B0-A7E0-1FBB69545CAA}"/>
+              </a:ext>
+            </a:extLst>
+          </p:cNvPr>
+          <p:cNvPicPr>
+            <a:picLocks noChangeAspect="1"/>
+          </p:cNvPicPr>
+          <p:nvPr/>
+        </p:nvPicPr>
+        <p:blipFill>
+          <a:blip r:embed="rId3">
+            <a:extLst>
+              <a:ext uri="{28A0092B-C50C-407E-A947-70E740481C1C}">
+                <a14:useLocalDpi xmlns:a14="http://schemas.microsoft.com/office/drawing/2010/main" val="0"/>
+              </a:ext>
+            </a:extLst>
+          </a:blip>
+          <a:stretch>
+            <a:fillRect/>
+          </a:stretch>
+        </p:blipFill>
+        <p:spPr>
+          <a:xfrm>
+            <a:off x="800100" y="1079587"/>
+            <a:ext cx="8723809" cy="1384127"/>
+          </a:xfrm>
+          <a:prstGeom prst="rect">
+            <a:avLst/>
+          </a:prstGeom>
+        </p:spPr>
+      </p:pic>
+      <p:cxnSp>
+        <p:nvCxnSpPr>
+          <p:cNvPr id="18" name="直接连接符 17">
+            <a:extLst>
+              <a:ext uri="{FF2B5EF4-FFF2-40B4-BE49-F238E27FC236}">
+                <a16:creationId xmlns:a16="http://schemas.microsoft.com/office/drawing/2014/main" id="{172B4211-E9F9-4AF4-AC0A-865B9CF18C3C}"/>
+              </a:ext>
+            </a:extLst>
+          </p:cNvPr>
+          <p:cNvCxnSpPr/>
+          <p:nvPr/>
+        </p:nvCxnSpPr>
+        <p:spPr>
+          <a:xfrm>
+            <a:off x="800100" y="1079587"/>
+            <a:ext cx="0" cy="1384127"/>
+          </a:xfrm>
+          <a:prstGeom prst="line">
+            <a:avLst/>
+          </a:prstGeom>
+          <a:ln w="76200">
+            <a:solidFill>
+              <a:srgbClr val="0DF6FC"/>
+            </a:solidFill>
+          </a:ln>
+        </p:spPr>
+        <p:style>
+          <a:lnRef idx="1">
+            <a:schemeClr val="accent1"/>
+          </a:lnRef>
+          <a:fillRef idx="0">
+            <a:schemeClr val="accent1"/>
+          </a:fillRef>
+          <a:effectRef idx="0">
+            <a:schemeClr val="accent1"/>
+          </a:effectRef>
+          <a:fontRef idx="minor">
+            <a:schemeClr val="tx1"/>
+          </a:fontRef>
+        </p:style>
+      </p:cxnSp>
+      <p:cxnSp>
+        <p:nvCxnSpPr>
+          <p:cNvPr id="20" name="直接连接符 19">
+            <a:extLst>
+              <a:ext uri="{FF2B5EF4-FFF2-40B4-BE49-F238E27FC236}">
+                <a16:creationId xmlns:a16="http://schemas.microsoft.com/office/drawing/2014/main" id="{55C70BD0-3C82-4BF3-B258-2662BDCFB82C}"/>
+              </a:ext>
+            </a:extLst>
+          </p:cNvPr>
+          <p:cNvCxnSpPr>
+            <a:cxnSpLocks/>
+          </p:cNvCxnSpPr>
+          <p:nvPr/>
+        </p:nvCxnSpPr>
+        <p:spPr>
+          <a:xfrm>
+            <a:off x="800100" y="1079587"/>
+            <a:ext cx="8071526" cy="0"/>
+          </a:xfrm>
+          <a:prstGeom prst="line">
+            <a:avLst/>
+          </a:prstGeom>
+          <a:ln w="76200">
+            <a:solidFill>
+              <a:srgbClr val="07EEFE"/>
+            </a:solidFill>
+          </a:ln>
+        </p:spPr>
+        <p:style>
+          <a:lnRef idx="1">
+            <a:schemeClr val="accent1"/>
+          </a:lnRef>
+          <a:fillRef idx="0">
+            <a:schemeClr val="accent1"/>
+          </a:fillRef>
+          <a:effectRef idx="0">
+            <a:schemeClr val="accent1"/>
+          </a:effectRef>
+          <a:fontRef idx="minor">
+            <a:schemeClr val="tx1"/>
+          </a:fontRef>
+        </p:style>
+      </p:cxnSp>
+      <p:cxnSp>
+        <p:nvCxnSpPr>
+          <p:cNvPr id="21" name="直接连接符 20">
+            <a:extLst>
+              <a:ext uri="{FF2B5EF4-FFF2-40B4-BE49-F238E27FC236}">
+                <a16:creationId xmlns:a16="http://schemas.microsoft.com/office/drawing/2014/main" id="{5FBF56B6-0558-4489-9597-C4E0C5BD2D38}"/>
+              </a:ext>
+            </a:extLst>
+          </p:cNvPr>
+          <p:cNvCxnSpPr>
+            <a:cxnSpLocks/>
+          </p:cNvCxnSpPr>
+          <p:nvPr/>
+        </p:nvCxnSpPr>
+        <p:spPr>
+          <a:xfrm>
+            <a:off x="800100" y="2463714"/>
+            <a:ext cx="8723809" cy="0"/>
+          </a:xfrm>
+          <a:prstGeom prst="line">
+            <a:avLst/>
+          </a:prstGeom>
+          <a:ln w="76200">
+            <a:solidFill>
+              <a:srgbClr val="07EEFE"/>
+            </a:solidFill>
+          </a:ln>
+        </p:spPr>
+        <p:style>
+          <a:lnRef idx="1">
+            <a:schemeClr val="accent1"/>
+          </a:lnRef>
+          <a:fillRef idx="0">
+            <a:schemeClr val="accent1"/>
+          </a:fillRef>
+          <a:effectRef idx="0">
+            <a:schemeClr val="accent1"/>
+          </a:effectRef>
+          <a:fontRef idx="minor">
+            <a:schemeClr val="tx1"/>
+          </a:fontRef>
+        </p:style>
+      </p:cxnSp>
+      <p:cxnSp>
+        <p:nvCxnSpPr>
+          <p:cNvPr id="23" name="直接连接符 22">
+            <a:extLst>
+              <a:ext uri="{FF2B5EF4-FFF2-40B4-BE49-F238E27FC236}">
+                <a16:creationId xmlns:a16="http://schemas.microsoft.com/office/drawing/2014/main" id="{3D85E2D5-CFE0-4E5D-8D39-24DDF9BA0E9E}"/>
+              </a:ext>
+            </a:extLst>
+          </p:cNvPr>
+          <p:cNvCxnSpPr>
+            <a:cxnSpLocks/>
+          </p:cNvCxnSpPr>
+          <p:nvPr/>
+        </p:nvCxnSpPr>
+        <p:spPr>
+          <a:xfrm>
+            <a:off x="9523909" y="1771650"/>
+            <a:ext cx="0" cy="692064"/>
+          </a:xfrm>
+          <a:prstGeom prst="line">
+            <a:avLst/>
+          </a:prstGeom>
+          <a:ln w="76200">
+            <a:solidFill>
+              <a:srgbClr val="0DF6FC"/>
+            </a:solidFill>
+          </a:ln>
+        </p:spPr>
+        <p:style>
+          <a:lnRef idx="1">
+            <a:schemeClr val="accent1"/>
+          </a:lnRef>
+          <a:fillRef idx="0">
+            <a:schemeClr val="accent1"/>
+          </a:fillRef>
+          <a:effectRef idx="0">
+            <a:schemeClr val="accent1"/>
+          </a:effectRef>
+          <a:fontRef idx="minor">
+            <a:schemeClr val="tx1"/>
+          </a:fontRef>
+        </p:style>
+      </p:cxnSp>
+      <p:pic>
+        <p:nvPicPr>
+          <p:cNvPr id="27" name="图形 26" descr="DNA">
+            <a:extLst>
+              <a:ext uri="{FF2B5EF4-FFF2-40B4-BE49-F238E27FC236}">
+                <a16:creationId xmlns:a16="http://schemas.microsoft.com/office/drawing/2014/main" id="{C90CC2BD-8532-4287-9B34-341119D98CCA}"/>
+              </a:ext>
+            </a:extLst>
+          </p:cNvPr>
+          <p:cNvPicPr>
+            <a:picLocks noChangeAspect="1"/>
+          </p:cNvPicPr>
+          <p:nvPr/>
+        </p:nvPicPr>
+        <p:blipFill>
+          <a:blip r:embed="rId4">
+            <a:extLst>
+              <a:ext uri="{28A0092B-C50C-407E-A947-70E740481C1C}">
+                <a14:useLocalDpi xmlns:a14="http://schemas.microsoft.com/office/drawing/2010/main" val="0"/>
+              </a:ext>
+              <a:ext uri="{96DAC541-7B7A-43D3-8B79-37D633B846F1}">
+                <asvg:svgBlip xmlns:asvg="http://schemas.microsoft.com/office/drawing/2016/SVG/main" r:embed="rId5"/>
+              </a:ext>
+            </a:extLst>
+          </a:blip>
+          <a:stretch>
+            <a:fillRect/>
+          </a:stretch>
+        </p:blipFill>
+        <p:spPr>
+          <a:xfrm rot="18936329">
+            <a:off x="9026599" y="-18042"/>
+            <a:ext cx="1120288" cy="2051271"/>
+          </a:xfrm>
+          <a:prstGeom prst="rect">
+            <a:avLst/>
+          </a:prstGeom>
+        </p:spPr>
+      </p:pic>
+      <p:sp>
+        <p:nvSpPr>
+          <p:cNvPr id="28" name="箭头: 五边形 27">
+            <a:extLst>
+              <a:ext uri="{FF2B5EF4-FFF2-40B4-BE49-F238E27FC236}">
+                <a16:creationId xmlns:a16="http://schemas.microsoft.com/office/drawing/2014/main" id="{14F88291-4961-45CA-BBB3-E2535452EEFB}"/>
+              </a:ext>
+            </a:extLst>
+          </p:cNvPr>
+          <p:cNvSpPr/>
+          <p:nvPr/>
+        </p:nvSpPr>
+        <p:spPr>
+          <a:xfrm rot="16200000">
+            <a:off x="1886760" y="16906670"/>
+            <a:ext cx="4494179" cy="3968885"/>
+          </a:xfrm>
+          <a:prstGeom prst="homePlate">
+            <a:avLst/>
+          </a:prstGeom>
+          <a:noFill/>
+          <a:ln w="76200">
+            <a:solidFill>
+              <a:srgbClr val="079AFE"/>
+            </a:solidFill>
+          </a:ln>
+        </p:spPr>
+        <p:style>
+          <a:lnRef idx="2">
+            <a:schemeClr val="accent1">
+              <a:shade val="50000"/>
+            </a:schemeClr>
+          </a:lnRef>
+          <a:fillRef idx="1">
+            <a:schemeClr val="accent1"/>
+          </a:fillRef>
+          <a:effectRef idx="0">
+            <a:schemeClr val="accent1"/>
+          </a:effectRef>
+          <a:fontRef idx="minor">
+            <a:schemeClr val="lt1"/>
+          </a:fontRef>
+        </p:style>
+        <p:txBody>
+          <a:bodyPr rtlCol="0" anchor="ctr"/>
+          <a:lstStyle/>
+          <a:p>
+            <a:pPr algn="ctr"/>
+            <a:endParaRPr lang="zh-CN" altLang="en-US"/>
+          </a:p>
+        </p:txBody>
+      </p:sp>
+      <p:sp>
+        <p:nvSpPr>
+          <p:cNvPr id="29" name="箭头: 五边形 28">
+            <a:extLst>
+              <a:ext uri="{FF2B5EF4-FFF2-40B4-BE49-F238E27FC236}">
+                <a16:creationId xmlns:a16="http://schemas.microsoft.com/office/drawing/2014/main" id="{DE76A5EC-5EFE-4482-AA2B-FA6468B29BF2}"/>
+              </a:ext>
+            </a:extLst>
+          </p:cNvPr>
+          <p:cNvSpPr/>
+          <p:nvPr/>
+        </p:nvSpPr>
+        <p:spPr>
+          <a:xfrm rot="16200000">
+            <a:off x="9213865" y="16906670"/>
+            <a:ext cx="4494179" cy="3968885"/>
+          </a:xfrm>
+          <a:prstGeom prst="homePlate">
+            <a:avLst/>
+          </a:prstGeom>
+          <a:noFill/>
+          <a:ln w="76200">
+            <a:solidFill>
+              <a:srgbClr val="079AFE"/>
+            </a:solidFill>
+          </a:ln>
+        </p:spPr>
+        <p:style>
+          <a:lnRef idx="2">
+            <a:schemeClr val="accent1">
+              <a:shade val="50000"/>
+            </a:schemeClr>
+          </a:lnRef>
+          <a:fillRef idx="1">
+            <a:schemeClr val="accent1"/>
+          </a:fillRef>
+          <a:effectRef idx="0">
+            <a:schemeClr val="accent1"/>
+          </a:effectRef>
+          <a:fontRef idx="minor">
+            <a:schemeClr val="lt1"/>
+          </a:fontRef>
+        </p:style>
+        <p:txBody>
+          <a:bodyPr rtlCol="0" anchor="ctr"/>
+          <a:lstStyle/>
+          <a:p>
+            <a:pPr algn="ctr"/>
+            <a:endParaRPr lang="zh-CN" altLang="en-US"/>
+          </a:p>
+        </p:txBody>
+      </p:sp>
+      <p:sp>
+        <p:nvSpPr>
+          <p:cNvPr id="30" name="箭头: 五边形 29">
+            <a:extLst>
+              <a:ext uri="{FF2B5EF4-FFF2-40B4-BE49-F238E27FC236}">
+                <a16:creationId xmlns:a16="http://schemas.microsoft.com/office/drawing/2014/main" id="{11B04E90-14AC-4131-86A4-598518419CD0}"/>
+              </a:ext>
+            </a:extLst>
+          </p:cNvPr>
+          <p:cNvSpPr/>
+          <p:nvPr/>
+        </p:nvSpPr>
+        <p:spPr>
+          <a:xfrm rot="16200000">
+            <a:off x="16540970" y="17008406"/>
+            <a:ext cx="4494179" cy="3968885"/>
+          </a:xfrm>
+          <a:prstGeom prst="homePlate">
+            <a:avLst/>
+          </a:prstGeom>
+          <a:noFill/>
+          <a:ln w="76200">
+            <a:solidFill>
+              <a:srgbClr val="079AFE"/>
+            </a:solidFill>
+          </a:ln>
+        </p:spPr>
+        <p:style>
+          <a:lnRef idx="2">
+            <a:schemeClr val="accent1">
+              <a:shade val="50000"/>
+            </a:schemeClr>
+          </a:lnRef>
+          <a:fillRef idx="1">
+            <a:schemeClr val="accent1"/>
+          </a:fillRef>
+          <a:effectRef idx="0">
+            <a:schemeClr val="accent1"/>
+          </a:effectRef>
+          <a:fontRef idx="minor">
+            <a:schemeClr val="lt1"/>
+          </a:fontRef>
+        </p:style>
+        <p:txBody>
+          <a:bodyPr rtlCol="0" anchor="ctr"/>
+          <a:lstStyle/>
+          <a:p>
+            <a:pPr algn="ctr"/>
+            <a:endParaRPr lang="zh-CN" altLang="en-US"/>
+          </a:p>
+        </p:txBody>
+      </p:sp>
+    </p:spTree>
+    <p:extLst>
+      <p:ext uri="{BB962C8B-B14F-4D97-AF65-F5344CB8AC3E}">
+        <p14:creationId xmlns:p14="http://schemas.microsoft.com/office/powerpoint/2010/main" val="730194907"/>
       </p:ext>
     </p:extLst>
   </p:cSld>
